--- a/resource/webImgSource.pptx
+++ b/resource/webImgSource.pptx
@@ -3284,7 +3284,7 @@
           <a:p>
             <a:fld id="{5B6ABC70-989A-E546-9D72-427CB2064175}" type="datetimeFigureOut">
               <a:rPr lang="en-US" smtClean="0"/>
-              <a:t>3/16/16</a:t>
+              <a:t>3/21/16</a:t>
             </a:fld>
             <a:endParaRPr lang="en-US"/>
           </a:p>
@@ -3454,7 +3454,7 @@
           <a:p>
             <a:fld id="{5B6ABC70-989A-E546-9D72-427CB2064175}" type="datetimeFigureOut">
               <a:rPr lang="en-US" smtClean="0"/>
-              <a:t>3/16/16</a:t>
+              <a:t>3/21/16</a:t>
             </a:fld>
             <a:endParaRPr lang="en-US"/>
           </a:p>
@@ -3634,7 +3634,7 @@
           <a:p>
             <a:fld id="{5B6ABC70-989A-E546-9D72-427CB2064175}" type="datetimeFigureOut">
               <a:rPr lang="en-US" smtClean="0"/>
-              <a:t>3/16/16</a:t>
+              <a:t>3/21/16</a:t>
             </a:fld>
             <a:endParaRPr lang="en-US"/>
           </a:p>
@@ -3804,7 +3804,7 @@
           <a:p>
             <a:fld id="{5B6ABC70-989A-E546-9D72-427CB2064175}" type="datetimeFigureOut">
               <a:rPr lang="en-US" smtClean="0"/>
-              <a:t>3/16/16</a:t>
+              <a:t>3/21/16</a:t>
             </a:fld>
             <a:endParaRPr lang="en-US"/>
           </a:p>
@@ -4050,7 +4050,7 @@
           <a:p>
             <a:fld id="{5B6ABC70-989A-E546-9D72-427CB2064175}" type="datetimeFigureOut">
               <a:rPr lang="en-US" smtClean="0"/>
-              <a:t>3/16/16</a:t>
+              <a:t>3/21/16</a:t>
             </a:fld>
             <a:endParaRPr lang="en-US"/>
           </a:p>
@@ -4282,7 +4282,7 @@
           <a:p>
             <a:fld id="{5B6ABC70-989A-E546-9D72-427CB2064175}" type="datetimeFigureOut">
               <a:rPr lang="en-US" smtClean="0"/>
-              <a:t>3/16/16</a:t>
+              <a:t>3/21/16</a:t>
             </a:fld>
             <a:endParaRPr lang="en-US"/>
           </a:p>
@@ -4649,7 +4649,7 @@
           <a:p>
             <a:fld id="{5B6ABC70-989A-E546-9D72-427CB2064175}" type="datetimeFigureOut">
               <a:rPr lang="en-US" smtClean="0"/>
-              <a:t>3/16/16</a:t>
+              <a:t>3/21/16</a:t>
             </a:fld>
             <a:endParaRPr lang="en-US"/>
           </a:p>
@@ -4767,7 +4767,7 @@
           <a:p>
             <a:fld id="{5B6ABC70-989A-E546-9D72-427CB2064175}" type="datetimeFigureOut">
               <a:rPr lang="en-US" smtClean="0"/>
-              <a:t>3/16/16</a:t>
+              <a:t>3/21/16</a:t>
             </a:fld>
             <a:endParaRPr lang="en-US"/>
           </a:p>
@@ -4862,7 +4862,7 @@
           <a:p>
             <a:fld id="{5B6ABC70-989A-E546-9D72-427CB2064175}" type="datetimeFigureOut">
               <a:rPr lang="en-US" smtClean="0"/>
-              <a:t>3/16/16</a:t>
+              <a:t>3/21/16</a:t>
             </a:fld>
             <a:endParaRPr lang="en-US"/>
           </a:p>
@@ -5139,7 +5139,7 @@
           <a:p>
             <a:fld id="{5B6ABC70-989A-E546-9D72-427CB2064175}" type="datetimeFigureOut">
               <a:rPr lang="en-US" smtClean="0"/>
-              <a:t>3/16/16</a:t>
+              <a:t>3/21/16</a:t>
             </a:fld>
             <a:endParaRPr lang="en-US"/>
           </a:p>
@@ -5392,7 +5392,7 @@
           <a:p>
             <a:fld id="{5B6ABC70-989A-E546-9D72-427CB2064175}" type="datetimeFigureOut">
               <a:rPr lang="en-US" smtClean="0"/>
-              <a:t>3/16/16</a:t>
+              <a:t>3/21/16</a:t>
             </a:fld>
             <a:endParaRPr lang="en-US"/>
           </a:p>
@@ -5605,7 +5605,7 @@
           <a:p>
             <a:fld id="{5B6ABC70-989A-E546-9D72-427CB2064175}" type="datetimeFigureOut">
               <a:rPr lang="en-US" smtClean="0"/>
-              <a:t>3/16/16</a:t>
+              <a:t>3/21/16</a:t>
             </a:fld>
             <a:endParaRPr lang="en-US"/>
           </a:p>
@@ -6077,10 +6077,10 @@
         </p:nvGrpSpPr>
         <p:grpSpPr>
           <a:xfrm>
-            <a:off x="3669323" y="1960651"/>
-            <a:ext cx="5361662" cy="2333409"/>
+            <a:off x="3610707" y="1960651"/>
+            <a:ext cx="6006299" cy="2265573"/>
             <a:chOff x="3669323" y="1960651"/>
-            <a:chExt cx="5361662" cy="2333409"/>
+            <a:chExt cx="6006299" cy="2265573"/>
           </a:xfrm>
         </p:grpSpPr>
         <p:pic>
@@ -6120,8 +6120,8 @@
           </p:nvSpPr>
           <p:spPr>
             <a:xfrm>
-              <a:off x="7715892" y="3924728"/>
-              <a:ext cx="1315093" cy="369332"/>
+              <a:off x="8708930" y="3856892"/>
+              <a:ext cx="966692" cy="369332"/>
             </a:xfrm>
             <a:prstGeom prst="rect">
               <a:avLst/>
@@ -6210,6 +6210,138 @@
           </p:style>
         </p:cxnSp>
       </p:grpSp>
+      <p:sp>
+        <p:nvSpPr>
+          <p:cNvPr id="7" name="TextBox 6"/>
+          <p:cNvSpPr txBox="1"/>
+          <p:nvPr/>
+        </p:nvSpPr>
+        <p:spPr>
+          <a:xfrm>
+            <a:off x="7637453" y="3078027"/>
+            <a:ext cx="1306661" cy="369332"/>
+          </a:xfrm>
+          <a:prstGeom prst="rect">
+            <a:avLst/>
+          </a:prstGeom>
+          <a:noFill/>
+        </p:spPr>
+        <p:txBody>
+          <a:bodyPr wrap="square" rtlCol="0">
+            <a:spAutoFit/>
+          </a:bodyPr>
+          <a:lstStyle/>
+          <a:p>
+            <a:r>
+              <a:rPr lang="en-US" smtClean="0"/>
+              <a:t>Affected</a:t>
+            </a:r>
+            <a:endParaRPr lang="en-US" dirty="0"/>
+          </a:p>
+        </p:txBody>
+      </p:sp>
+      <p:sp>
+        <p:nvSpPr>
+          <p:cNvPr id="8" name="TextBox 7"/>
+          <p:cNvSpPr txBox="1"/>
+          <p:nvPr/>
+        </p:nvSpPr>
+        <p:spPr>
+          <a:xfrm>
+            <a:off x="3647052" y="3078027"/>
+            <a:ext cx="1238401" cy="369332"/>
+          </a:xfrm>
+          <a:prstGeom prst="rect">
+            <a:avLst/>
+          </a:prstGeom>
+          <a:noFill/>
+        </p:spPr>
+        <p:txBody>
+          <a:bodyPr wrap="square" rtlCol="0">
+            <a:spAutoFit/>
+          </a:bodyPr>
+          <a:lstStyle/>
+          <a:p>
+            <a:r>
+              <a:rPr lang="en-US" smtClean="0"/>
+              <a:t>Unaffected</a:t>
+            </a:r>
+            <a:endParaRPr lang="en-US" dirty="0"/>
+          </a:p>
+        </p:txBody>
+      </p:sp>
+      <p:cxnSp>
+        <p:nvCxnSpPr>
+          <p:cNvPr id="9" name="Straight Arrow Connector 8"/>
+          <p:cNvCxnSpPr/>
+          <p:nvPr/>
+        </p:nvCxnSpPr>
+        <p:spPr>
+          <a:xfrm>
+            <a:off x="4751706" y="3394559"/>
+            <a:ext cx="528292" cy="302695"/>
+          </a:xfrm>
+          <a:prstGeom prst="straightConnector1">
+            <a:avLst/>
+          </a:prstGeom>
+          <a:ln>
+            <a:solidFill>
+              <a:schemeClr val="tx1"/>
+            </a:solidFill>
+            <a:tailEnd type="triangle"/>
+          </a:ln>
+        </p:spPr>
+        <p:style>
+          <a:lnRef idx="1">
+            <a:schemeClr val="accent1"/>
+          </a:lnRef>
+          <a:fillRef idx="0">
+            <a:schemeClr val="accent1"/>
+          </a:fillRef>
+          <a:effectRef idx="0">
+            <a:schemeClr val="accent1"/>
+          </a:effectRef>
+          <a:fontRef idx="minor">
+            <a:schemeClr val="tx1"/>
+          </a:fontRef>
+        </p:style>
+      </p:cxnSp>
+      <p:cxnSp>
+        <p:nvCxnSpPr>
+          <p:cNvPr id="12" name="Straight Arrow Connector 11"/>
+          <p:cNvCxnSpPr/>
+          <p:nvPr/>
+        </p:nvCxnSpPr>
+        <p:spPr>
+          <a:xfrm flipH="1">
+            <a:off x="7303479" y="3396369"/>
+            <a:ext cx="380404" cy="324290"/>
+          </a:xfrm>
+          <a:prstGeom prst="straightConnector1">
+            <a:avLst/>
+          </a:prstGeom>
+          <a:ln>
+            <a:solidFill>
+              <a:schemeClr val="tx1"/>
+            </a:solidFill>
+            <a:tailEnd type="triangle"/>
+          </a:ln>
+        </p:spPr>
+        <p:style>
+          <a:lnRef idx="1">
+            <a:schemeClr val="accent1"/>
+          </a:lnRef>
+          <a:fillRef idx="0">
+            <a:schemeClr val="accent1"/>
+          </a:fillRef>
+          <a:effectRef idx="0">
+            <a:schemeClr val="accent1"/>
+          </a:effectRef>
+          <a:fontRef idx="minor">
+            <a:schemeClr val="tx1"/>
+          </a:fontRef>
+        </p:style>
+      </p:cxnSp>
     </p:spTree>
     <p:extLst>
       <p:ext uri="{BB962C8B-B14F-4D97-AF65-F5344CB8AC3E}">

--- a/resource/webImgSource.pptx
+++ b/resource/webImgSource.pptx
@@ -3284,7 +3284,7 @@
           <a:p>
             <a:fld id="{5B6ABC70-989A-E546-9D72-427CB2064175}" type="datetimeFigureOut">
               <a:rPr lang="en-US" smtClean="0"/>
-              <a:t>3/16/16</a:t>
+              <a:t>3/21/16</a:t>
             </a:fld>
             <a:endParaRPr lang="en-US"/>
           </a:p>
@@ -3454,7 +3454,7 @@
           <a:p>
             <a:fld id="{5B6ABC70-989A-E546-9D72-427CB2064175}" type="datetimeFigureOut">
               <a:rPr lang="en-US" smtClean="0"/>
-              <a:t>3/16/16</a:t>
+              <a:t>3/21/16</a:t>
             </a:fld>
             <a:endParaRPr lang="en-US"/>
           </a:p>
@@ -3634,7 +3634,7 @@
           <a:p>
             <a:fld id="{5B6ABC70-989A-E546-9D72-427CB2064175}" type="datetimeFigureOut">
               <a:rPr lang="en-US" smtClean="0"/>
-              <a:t>3/16/16</a:t>
+              <a:t>3/21/16</a:t>
             </a:fld>
             <a:endParaRPr lang="en-US"/>
           </a:p>
@@ -3804,7 +3804,7 @@
           <a:p>
             <a:fld id="{5B6ABC70-989A-E546-9D72-427CB2064175}" type="datetimeFigureOut">
               <a:rPr lang="en-US" smtClean="0"/>
-              <a:t>3/16/16</a:t>
+              <a:t>3/21/16</a:t>
             </a:fld>
             <a:endParaRPr lang="en-US"/>
           </a:p>
@@ -4050,7 +4050,7 @@
           <a:p>
             <a:fld id="{5B6ABC70-989A-E546-9D72-427CB2064175}" type="datetimeFigureOut">
               <a:rPr lang="en-US" smtClean="0"/>
-              <a:t>3/16/16</a:t>
+              <a:t>3/21/16</a:t>
             </a:fld>
             <a:endParaRPr lang="en-US"/>
           </a:p>
@@ -4282,7 +4282,7 @@
           <a:p>
             <a:fld id="{5B6ABC70-989A-E546-9D72-427CB2064175}" type="datetimeFigureOut">
               <a:rPr lang="en-US" smtClean="0"/>
-              <a:t>3/16/16</a:t>
+              <a:t>3/21/16</a:t>
             </a:fld>
             <a:endParaRPr lang="en-US"/>
           </a:p>
@@ -4649,7 +4649,7 @@
           <a:p>
             <a:fld id="{5B6ABC70-989A-E546-9D72-427CB2064175}" type="datetimeFigureOut">
               <a:rPr lang="en-US" smtClean="0"/>
-              <a:t>3/16/16</a:t>
+              <a:t>3/21/16</a:t>
             </a:fld>
             <a:endParaRPr lang="en-US"/>
           </a:p>
@@ -4767,7 +4767,7 @@
           <a:p>
             <a:fld id="{5B6ABC70-989A-E546-9D72-427CB2064175}" type="datetimeFigureOut">
               <a:rPr lang="en-US" smtClean="0"/>
-              <a:t>3/16/16</a:t>
+              <a:t>3/21/16</a:t>
             </a:fld>
             <a:endParaRPr lang="en-US"/>
           </a:p>
@@ -4862,7 +4862,7 @@
           <a:p>
             <a:fld id="{5B6ABC70-989A-E546-9D72-427CB2064175}" type="datetimeFigureOut">
               <a:rPr lang="en-US" smtClean="0"/>
-              <a:t>3/16/16</a:t>
+              <a:t>3/21/16</a:t>
             </a:fld>
             <a:endParaRPr lang="en-US"/>
           </a:p>
@@ -5139,7 +5139,7 @@
           <a:p>
             <a:fld id="{5B6ABC70-989A-E546-9D72-427CB2064175}" type="datetimeFigureOut">
               <a:rPr lang="en-US" smtClean="0"/>
-              <a:t>3/16/16</a:t>
+              <a:t>3/21/16</a:t>
             </a:fld>
             <a:endParaRPr lang="en-US"/>
           </a:p>
@@ -5392,7 +5392,7 @@
           <a:p>
             <a:fld id="{5B6ABC70-989A-E546-9D72-427CB2064175}" type="datetimeFigureOut">
               <a:rPr lang="en-US" smtClean="0"/>
-              <a:t>3/16/16</a:t>
+              <a:t>3/21/16</a:t>
             </a:fld>
             <a:endParaRPr lang="en-US"/>
           </a:p>
@@ -5605,7 +5605,7 @@
           <a:p>
             <a:fld id="{5B6ABC70-989A-E546-9D72-427CB2064175}" type="datetimeFigureOut">
               <a:rPr lang="en-US" smtClean="0"/>
-              <a:t>3/16/16</a:t>
+              <a:t>3/21/16</a:t>
             </a:fld>
             <a:endParaRPr lang="en-US"/>
           </a:p>
@@ -6078,9 +6078,9 @@
         <p:grpSpPr>
           <a:xfrm>
             <a:off x="3669323" y="1960651"/>
-            <a:ext cx="5361662" cy="2333409"/>
+            <a:ext cx="5587924" cy="2265573"/>
             <a:chOff x="3669323" y="1960651"/>
-            <a:chExt cx="5361662" cy="2333409"/>
+            <a:chExt cx="5587924" cy="2265573"/>
           </a:xfrm>
         </p:grpSpPr>
         <p:pic>
@@ -6110,6 +6110,10 @@
             <a:prstGeom prst="rect">
               <a:avLst/>
             </a:prstGeom>
+            <a:noFill/>
+            <a:ln>
+              <a:noFill/>
+            </a:ln>
           </p:spPr>
         </p:pic>
         <p:sp>
@@ -6120,8 +6124,8 @@
           </p:nvSpPr>
           <p:spPr>
             <a:xfrm>
-              <a:off x="7715892" y="3924728"/>
-              <a:ext cx="1315093" cy="369332"/>
+              <a:off x="8350814" y="3856892"/>
+              <a:ext cx="906433" cy="369332"/>
             </a:xfrm>
             <a:prstGeom prst="rect">
               <a:avLst/>
@@ -6210,6 +6214,138 @@
           </p:style>
         </p:cxnSp>
       </p:grpSp>
+      <p:cxnSp>
+        <p:nvCxnSpPr>
+          <p:cNvPr id="7" name="Straight Arrow Connector 6"/>
+          <p:cNvCxnSpPr/>
+          <p:nvPr/>
+        </p:nvCxnSpPr>
+        <p:spPr>
+          <a:xfrm>
+            <a:off x="4466492" y="3585582"/>
+            <a:ext cx="726831" cy="118910"/>
+          </a:xfrm>
+          <a:prstGeom prst="straightConnector1">
+            <a:avLst/>
+          </a:prstGeom>
+          <a:ln>
+            <a:solidFill>
+              <a:schemeClr val="tx1"/>
+            </a:solidFill>
+            <a:tailEnd type="triangle"/>
+          </a:ln>
+        </p:spPr>
+        <p:style>
+          <a:lnRef idx="1">
+            <a:schemeClr val="accent1"/>
+          </a:lnRef>
+          <a:fillRef idx="0">
+            <a:schemeClr val="accent1"/>
+          </a:fillRef>
+          <a:effectRef idx="0">
+            <a:schemeClr val="accent1"/>
+          </a:effectRef>
+          <a:fontRef idx="minor">
+            <a:schemeClr val="tx1"/>
+          </a:fontRef>
+        </p:style>
+      </p:cxnSp>
+      <p:cxnSp>
+        <p:nvCxnSpPr>
+          <p:cNvPr id="9" name="Straight Arrow Connector 8"/>
+          <p:cNvCxnSpPr/>
+          <p:nvPr/>
+        </p:nvCxnSpPr>
+        <p:spPr>
+          <a:xfrm flipH="1">
+            <a:off x="7362324" y="3585582"/>
+            <a:ext cx="707136" cy="158262"/>
+          </a:xfrm>
+          <a:prstGeom prst="straightConnector1">
+            <a:avLst/>
+          </a:prstGeom>
+          <a:ln>
+            <a:solidFill>
+              <a:schemeClr val="tx1"/>
+            </a:solidFill>
+            <a:tailEnd type="triangle"/>
+          </a:ln>
+        </p:spPr>
+        <p:style>
+          <a:lnRef idx="1">
+            <a:schemeClr val="accent1"/>
+          </a:lnRef>
+          <a:fillRef idx="0">
+            <a:schemeClr val="accent1"/>
+          </a:fillRef>
+          <a:effectRef idx="0">
+            <a:schemeClr val="accent1"/>
+          </a:effectRef>
+          <a:fontRef idx="minor">
+            <a:schemeClr val="tx1"/>
+          </a:fontRef>
+        </p:style>
+      </p:cxnSp>
+      <p:sp>
+        <p:nvSpPr>
+          <p:cNvPr id="20" name="TextBox 19"/>
+          <p:cNvSpPr txBox="1"/>
+          <p:nvPr/>
+        </p:nvSpPr>
+        <p:spPr>
+          <a:xfrm>
+            <a:off x="8020248" y="3377415"/>
+            <a:ext cx="1280812" cy="369332"/>
+          </a:xfrm>
+          <a:prstGeom prst="rect">
+            <a:avLst/>
+          </a:prstGeom>
+          <a:noFill/>
+        </p:spPr>
+        <p:txBody>
+          <a:bodyPr wrap="square" rtlCol="0">
+            <a:spAutoFit/>
+          </a:bodyPr>
+          <a:lstStyle/>
+          <a:p>
+            <a:r>
+              <a:rPr lang="en-US" dirty="0" smtClean="0"/>
+              <a:t>Affected</a:t>
+            </a:r>
+            <a:endParaRPr lang="en-US" dirty="0"/>
+          </a:p>
+        </p:txBody>
+      </p:sp>
+      <p:sp>
+        <p:nvSpPr>
+          <p:cNvPr id="21" name="TextBox 20"/>
+          <p:cNvSpPr txBox="1"/>
+          <p:nvPr/>
+        </p:nvSpPr>
+        <p:spPr>
+          <a:xfrm>
+            <a:off x="3266982" y="3377415"/>
+            <a:ext cx="1234679" cy="369332"/>
+          </a:xfrm>
+          <a:prstGeom prst="rect">
+            <a:avLst/>
+          </a:prstGeom>
+          <a:noFill/>
+        </p:spPr>
+        <p:txBody>
+          <a:bodyPr wrap="square" rtlCol="0">
+            <a:spAutoFit/>
+          </a:bodyPr>
+          <a:lstStyle/>
+          <a:p>
+            <a:r>
+              <a:rPr lang="en-US" smtClean="0"/>
+              <a:t>Unaffected</a:t>
+            </a:r>
+            <a:endParaRPr lang="en-US" dirty="0"/>
+          </a:p>
+        </p:txBody>
+      </p:sp>
     </p:spTree>
     <p:extLst>
       <p:ext uri="{BB962C8B-B14F-4D97-AF65-F5344CB8AC3E}">

--- a/resource/webImgSource.pptx
+++ b/resource/webImgSource.pptx
@@ -6071,131 +6071,182 @@
       </p:grpSpPr>
       <p:grpSp>
         <p:nvGrpSpPr>
-          <p:cNvPr id="10" name="Group 9"/>
+          <p:cNvPr id="22" name="Group 21"/>
           <p:cNvGrpSpPr/>
           <p:nvPr/>
         </p:nvGrpSpPr>
         <p:grpSpPr>
           <a:xfrm>
-            <a:off x="3669323" y="1960651"/>
-            <a:ext cx="5587924" cy="2265573"/>
-            <a:chOff x="3669323" y="1960651"/>
-            <a:chExt cx="5587924" cy="2265573"/>
+            <a:off x="3266981" y="1960651"/>
+            <a:ext cx="6451449" cy="2265573"/>
+            <a:chOff x="3266982" y="1960651"/>
+            <a:chExt cx="6034078" cy="2265573"/>
           </a:xfrm>
         </p:grpSpPr>
-        <p:pic>
-          <p:nvPicPr>
-            <p:cNvPr id="4" name="Picture 3"/>
-            <p:cNvPicPr>
-              <a:picLocks noChangeAspect="1"/>
-            </p:cNvPicPr>
+        <p:grpSp>
+          <p:nvGrpSpPr>
+            <p:cNvPr id="10" name="Group 9"/>
+            <p:cNvGrpSpPr/>
             <p:nvPr/>
-          </p:nvPicPr>
-          <p:blipFill rotWithShape="1">
-            <a:blip r:embed="rId2">
-              <a:extLst>
-                <a:ext uri="{28A0092B-C50C-407E-A947-70E740481C1C}">
-                  <a14:useLocalDpi xmlns:a14="http://schemas.microsoft.com/office/drawing/2010/main" val="0"/>
-                </a:ext>
-              </a:extLst>
-            </a:blip>
-            <a:srcRect l="13102" t="24100" r="8971" b="30215"/>
-            <a:stretch/>
-          </p:blipFill>
-          <p:spPr>
+          </p:nvGrpSpPr>
+          <p:grpSpPr>
             <a:xfrm>
-              <a:off x="3873357" y="2065106"/>
-              <a:ext cx="4643920" cy="1791786"/>
+              <a:off x="3669323" y="1960651"/>
+              <a:ext cx="5631735" cy="2265573"/>
+              <a:chOff x="3669323" y="1960651"/>
+              <a:chExt cx="5631735" cy="2265573"/>
             </a:xfrm>
-            <a:prstGeom prst="rect">
-              <a:avLst/>
-            </a:prstGeom>
-            <a:noFill/>
-            <a:ln>
+          </p:grpSpPr>
+          <p:pic>
+            <p:nvPicPr>
+              <p:cNvPr id="4" name="Picture 3"/>
+              <p:cNvPicPr>
+                <a:picLocks noChangeAspect="1"/>
+              </p:cNvPicPr>
+              <p:nvPr/>
+            </p:nvPicPr>
+            <p:blipFill rotWithShape="1">
+              <a:blip r:embed="rId2">
+                <a:extLst>
+                  <a:ext uri="{28A0092B-C50C-407E-A947-70E740481C1C}">
+                    <a14:useLocalDpi xmlns:a14="http://schemas.microsoft.com/office/drawing/2010/main" val="0"/>
+                  </a:ext>
+                </a:extLst>
+              </a:blip>
+              <a:srcRect l="13102" t="24100" r="8971" b="30215"/>
+              <a:stretch/>
+            </p:blipFill>
+            <p:spPr>
+              <a:xfrm>
+                <a:off x="3873357" y="2065106"/>
+                <a:ext cx="4643920" cy="1791786"/>
+              </a:xfrm>
+              <a:prstGeom prst="rect">
+                <a:avLst/>
+              </a:prstGeom>
               <a:noFill/>
-            </a:ln>
-          </p:spPr>
-        </p:pic>
-        <p:sp>
-          <p:nvSpPr>
-            <p:cNvPr id="5" name="TextBox 4"/>
-            <p:cNvSpPr txBox="1"/>
-            <p:nvPr/>
-          </p:nvSpPr>
-          <p:spPr>
-            <a:xfrm>
-              <a:off x="8350814" y="3856892"/>
-              <a:ext cx="906433" cy="369332"/>
-            </a:xfrm>
-            <a:prstGeom prst="rect">
-              <a:avLst/>
-            </a:prstGeom>
-            <a:noFill/>
-          </p:spPr>
-          <p:txBody>
-            <a:bodyPr wrap="square" rtlCol="0">
-              <a:spAutoFit/>
-            </a:bodyPr>
-            <a:lstStyle/>
-            <a:p>
-              <a:r>
-                <a:rPr lang="en-US" dirty="0" smtClean="0"/>
-                <a:t>Liability</a:t>
-              </a:r>
-              <a:endParaRPr lang="en-US" dirty="0"/>
-            </a:p>
-          </p:txBody>
-        </p:sp>
-        <p:sp>
-          <p:nvSpPr>
-            <p:cNvPr id="6" name="TextBox 5"/>
-            <p:cNvSpPr txBox="1"/>
-            <p:nvPr/>
-          </p:nvSpPr>
-          <p:spPr>
-            <a:xfrm>
-              <a:off x="7202184" y="1960651"/>
-              <a:ext cx="1315093" cy="369332"/>
-            </a:xfrm>
-            <a:prstGeom prst="rect">
-              <a:avLst/>
-            </a:prstGeom>
-            <a:noFill/>
-          </p:spPr>
-          <p:txBody>
-            <a:bodyPr wrap="square" rtlCol="0">
-              <a:spAutoFit/>
-            </a:bodyPr>
-            <a:lstStyle/>
-            <a:p>
-              <a:r>
-                <a:rPr lang="en-US" dirty="0" smtClean="0"/>
-                <a:t>Threshold</a:t>
-              </a:r>
-            </a:p>
-          </p:txBody>
-        </p:sp>
+              <a:ln>
+                <a:noFill/>
+              </a:ln>
+            </p:spPr>
+          </p:pic>
+          <p:sp>
+            <p:nvSpPr>
+              <p:cNvPr id="5" name="TextBox 4"/>
+              <p:cNvSpPr txBox="1"/>
+              <p:nvPr/>
+            </p:nvSpPr>
+            <p:spPr>
+              <a:xfrm>
+                <a:off x="8350813" y="3856892"/>
+                <a:ext cx="950245" cy="369332"/>
+              </a:xfrm>
+              <a:prstGeom prst="rect">
+                <a:avLst/>
+              </a:prstGeom>
+              <a:noFill/>
+            </p:spPr>
+            <p:txBody>
+              <a:bodyPr wrap="square" rtlCol="0">
+                <a:spAutoFit/>
+              </a:bodyPr>
+              <a:lstStyle/>
+              <a:p>
+                <a:r>
+                  <a:rPr lang="en-US" dirty="0" smtClean="0"/>
+                  <a:t>Liability</a:t>
+                </a:r>
+                <a:endParaRPr lang="en-US" dirty="0"/>
+              </a:p>
+            </p:txBody>
+          </p:sp>
+          <p:sp>
+            <p:nvSpPr>
+              <p:cNvPr id="6" name="TextBox 5"/>
+              <p:cNvSpPr txBox="1"/>
+              <p:nvPr/>
+            </p:nvSpPr>
+            <p:spPr>
+              <a:xfrm>
+                <a:off x="7202184" y="1960651"/>
+                <a:ext cx="1315093" cy="369332"/>
+              </a:xfrm>
+              <a:prstGeom prst="rect">
+                <a:avLst/>
+              </a:prstGeom>
+              <a:noFill/>
+            </p:spPr>
+            <p:txBody>
+              <a:bodyPr wrap="square" rtlCol="0">
+                <a:spAutoFit/>
+              </a:bodyPr>
+              <a:lstStyle/>
+              <a:p>
+                <a:r>
+                  <a:rPr lang="en-US" dirty="0" smtClean="0"/>
+                  <a:t>Threshold</a:t>
+                </a:r>
+              </a:p>
+            </p:txBody>
+          </p:sp>
+          <p:cxnSp>
+            <p:nvCxnSpPr>
+              <p:cNvPr id="3" name="Straight Connector 2"/>
+              <p:cNvCxnSpPr/>
+              <p:nvPr/>
+            </p:nvCxnSpPr>
+            <p:spPr>
+              <a:xfrm>
+                <a:off x="3669323" y="3856892"/>
+                <a:ext cx="5134708" cy="0"/>
+              </a:xfrm>
+              <a:prstGeom prst="line">
+                <a:avLst/>
+              </a:prstGeom>
+              <a:ln w="19050">
+                <a:solidFill>
+                  <a:schemeClr val="tx1">
+                    <a:lumMod val="50000"/>
+                    <a:lumOff val="50000"/>
+                  </a:schemeClr>
+                </a:solidFill>
+              </a:ln>
+            </p:spPr>
+            <p:style>
+              <a:lnRef idx="1">
+                <a:schemeClr val="accent1"/>
+              </a:lnRef>
+              <a:fillRef idx="0">
+                <a:schemeClr val="accent1"/>
+              </a:fillRef>
+              <a:effectRef idx="0">
+                <a:schemeClr val="accent1"/>
+              </a:effectRef>
+              <a:fontRef idx="minor">
+                <a:schemeClr val="tx1"/>
+              </a:fontRef>
+            </p:style>
+          </p:cxnSp>
+        </p:grpSp>
         <p:cxnSp>
           <p:nvCxnSpPr>
-            <p:cNvPr id="3" name="Straight Connector 2"/>
+            <p:cNvPr id="7" name="Straight Arrow Connector 6"/>
             <p:cNvCxnSpPr/>
             <p:nvPr/>
           </p:nvCxnSpPr>
           <p:spPr>
             <a:xfrm>
-              <a:off x="3669323" y="3856892"/>
-              <a:ext cx="5134708" cy="0"/>
+              <a:off x="4466492" y="3585582"/>
+              <a:ext cx="726831" cy="118910"/>
             </a:xfrm>
-            <a:prstGeom prst="line">
+            <a:prstGeom prst="straightConnector1">
               <a:avLst/>
             </a:prstGeom>
-            <a:ln w="19050">
+            <a:ln>
               <a:solidFill>
-                <a:schemeClr val="tx1">
-                  <a:lumMod val="50000"/>
-                  <a:lumOff val="50000"/>
-                </a:schemeClr>
+                <a:schemeClr val="tx1"/>
               </a:solidFill>
+              <a:tailEnd type="triangle"/>
             </a:ln>
           </p:spPr>
           <p:style>
@@ -6213,139 +6264,103 @@
             </a:fontRef>
           </p:style>
         </p:cxnSp>
+        <p:cxnSp>
+          <p:nvCxnSpPr>
+            <p:cNvPr id="9" name="Straight Arrow Connector 8"/>
+            <p:cNvCxnSpPr/>
+            <p:nvPr/>
+          </p:nvCxnSpPr>
+          <p:spPr>
+            <a:xfrm flipH="1">
+              <a:off x="7362324" y="3585582"/>
+              <a:ext cx="707136" cy="158262"/>
+            </a:xfrm>
+            <a:prstGeom prst="straightConnector1">
+              <a:avLst/>
+            </a:prstGeom>
+            <a:ln>
+              <a:solidFill>
+                <a:schemeClr val="tx1"/>
+              </a:solidFill>
+              <a:tailEnd type="triangle"/>
+            </a:ln>
+          </p:spPr>
+          <p:style>
+            <a:lnRef idx="1">
+              <a:schemeClr val="accent1"/>
+            </a:lnRef>
+            <a:fillRef idx="0">
+              <a:schemeClr val="accent1"/>
+            </a:fillRef>
+            <a:effectRef idx="0">
+              <a:schemeClr val="accent1"/>
+            </a:effectRef>
+            <a:fontRef idx="minor">
+              <a:schemeClr val="tx1"/>
+            </a:fontRef>
+          </p:style>
+        </p:cxnSp>
+        <p:sp>
+          <p:nvSpPr>
+            <p:cNvPr id="20" name="TextBox 19"/>
+            <p:cNvSpPr txBox="1"/>
+            <p:nvPr/>
+          </p:nvSpPr>
+          <p:spPr>
+            <a:xfrm>
+              <a:off x="8020248" y="3377415"/>
+              <a:ext cx="1280812" cy="369332"/>
+            </a:xfrm>
+            <a:prstGeom prst="rect">
+              <a:avLst/>
+            </a:prstGeom>
+            <a:noFill/>
+          </p:spPr>
+          <p:txBody>
+            <a:bodyPr wrap="square" rtlCol="0">
+              <a:spAutoFit/>
+            </a:bodyPr>
+            <a:lstStyle/>
+            <a:p>
+              <a:r>
+                <a:rPr lang="en-US" dirty="0" smtClean="0"/>
+                <a:t>Affected</a:t>
+              </a:r>
+              <a:endParaRPr lang="en-US" dirty="0"/>
+            </a:p>
+          </p:txBody>
+        </p:sp>
+        <p:sp>
+          <p:nvSpPr>
+            <p:cNvPr id="21" name="TextBox 20"/>
+            <p:cNvSpPr txBox="1"/>
+            <p:nvPr/>
+          </p:nvSpPr>
+          <p:spPr>
+            <a:xfrm>
+              <a:off x="3266982" y="3377415"/>
+              <a:ext cx="1234679" cy="369332"/>
+            </a:xfrm>
+            <a:prstGeom prst="rect">
+              <a:avLst/>
+            </a:prstGeom>
+            <a:noFill/>
+          </p:spPr>
+          <p:txBody>
+            <a:bodyPr wrap="square" rtlCol="0">
+              <a:spAutoFit/>
+            </a:bodyPr>
+            <a:lstStyle/>
+            <a:p>
+              <a:r>
+                <a:rPr lang="en-US" dirty="0" smtClean="0"/>
+                <a:t>Unaffected</a:t>
+              </a:r>
+              <a:endParaRPr lang="en-US" dirty="0"/>
+            </a:p>
+          </p:txBody>
+        </p:sp>
       </p:grpSp>
-      <p:cxnSp>
-        <p:nvCxnSpPr>
-          <p:cNvPr id="7" name="Straight Arrow Connector 6"/>
-          <p:cNvCxnSpPr/>
-          <p:nvPr/>
-        </p:nvCxnSpPr>
-        <p:spPr>
-          <a:xfrm>
-            <a:off x="4466492" y="3585582"/>
-            <a:ext cx="726831" cy="118910"/>
-          </a:xfrm>
-          <a:prstGeom prst="straightConnector1">
-            <a:avLst/>
-          </a:prstGeom>
-          <a:ln>
-            <a:solidFill>
-              <a:schemeClr val="tx1"/>
-            </a:solidFill>
-            <a:tailEnd type="triangle"/>
-          </a:ln>
-        </p:spPr>
-        <p:style>
-          <a:lnRef idx="1">
-            <a:schemeClr val="accent1"/>
-          </a:lnRef>
-          <a:fillRef idx="0">
-            <a:schemeClr val="accent1"/>
-          </a:fillRef>
-          <a:effectRef idx="0">
-            <a:schemeClr val="accent1"/>
-          </a:effectRef>
-          <a:fontRef idx="minor">
-            <a:schemeClr val="tx1"/>
-          </a:fontRef>
-        </p:style>
-      </p:cxnSp>
-      <p:cxnSp>
-        <p:nvCxnSpPr>
-          <p:cNvPr id="9" name="Straight Arrow Connector 8"/>
-          <p:cNvCxnSpPr/>
-          <p:nvPr/>
-        </p:nvCxnSpPr>
-        <p:spPr>
-          <a:xfrm flipH="1">
-            <a:off x="7362324" y="3585582"/>
-            <a:ext cx="707136" cy="158262"/>
-          </a:xfrm>
-          <a:prstGeom prst="straightConnector1">
-            <a:avLst/>
-          </a:prstGeom>
-          <a:ln>
-            <a:solidFill>
-              <a:schemeClr val="tx1"/>
-            </a:solidFill>
-            <a:tailEnd type="triangle"/>
-          </a:ln>
-        </p:spPr>
-        <p:style>
-          <a:lnRef idx="1">
-            <a:schemeClr val="accent1"/>
-          </a:lnRef>
-          <a:fillRef idx="0">
-            <a:schemeClr val="accent1"/>
-          </a:fillRef>
-          <a:effectRef idx="0">
-            <a:schemeClr val="accent1"/>
-          </a:effectRef>
-          <a:fontRef idx="minor">
-            <a:schemeClr val="tx1"/>
-          </a:fontRef>
-        </p:style>
-      </p:cxnSp>
-      <p:sp>
-        <p:nvSpPr>
-          <p:cNvPr id="20" name="TextBox 19"/>
-          <p:cNvSpPr txBox="1"/>
-          <p:nvPr/>
-        </p:nvSpPr>
-        <p:spPr>
-          <a:xfrm>
-            <a:off x="8020248" y="3377415"/>
-            <a:ext cx="1280812" cy="369332"/>
-          </a:xfrm>
-          <a:prstGeom prst="rect">
-            <a:avLst/>
-          </a:prstGeom>
-          <a:noFill/>
-        </p:spPr>
-        <p:txBody>
-          <a:bodyPr wrap="square" rtlCol="0">
-            <a:spAutoFit/>
-          </a:bodyPr>
-          <a:lstStyle/>
-          <a:p>
-            <a:r>
-              <a:rPr lang="en-US" dirty="0" smtClean="0"/>
-              <a:t>Affected</a:t>
-            </a:r>
-            <a:endParaRPr lang="en-US" dirty="0"/>
-          </a:p>
-        </p:txBody>
-      </p:sp>
-      <p:sp>
-        <p:nvSpPr>
-          <p:cNvPr id="21" name="TextBox 20"/>
-          <p:cNvSpPr txBox="1"/>
-          <p:nvPr/>
-        </p:nvSpPr>
-        <p:spPr>
-          <a:xfrm>
-            <a:off x="3266982" y="3377415"/>
-            <a:ext cx="1234679" cy="369332"/>
-          </a:xfrm>
-          <a:prstGeom prst="rect">
-            <a:avLst/>
-          </a:prstGeom>
-          <a:noFill/>
-        </p:spPr>
-        <p:txBody>
-          <a:bodyPr wrap="square" rtlCol="0">
-            <a:spAutoFit/>
-          </a:bodyPr>
-          <a:lstStyle/>
-          <a:p>
-            <a:r>
-              <a:rPr lang="en-US" smtClean="0"/>
-              <a:t>Unaffected</a:t>
-            </a:r>
-            <a:endParaRPr lang="en-US" dirty="0"/>
-          </a:p>
-        </p:txBody>
-      </p:sp>
     </p:spTree>
     <p:extLst>
       <p:ext uri="{BB962C8B-B14F-4D97-AF65-F5344CB8AC3E}">

--- a/resource/webImgSource.pptx
+++ b/resource/webImgSource.pptx
@@ -6071,7 +6071,7 @@
       </p:grpSpPr>
       <p:grpSp>
         <p:nvGrpSpPr>
-          <p:cNvPr id="10" name="Group 9"/>
+          <p:cNvPr id="21" name="Group 20"/>
           <p:cNvGrpSpPr/>
           <p:nvPr/>
         </p:nvGrpSpPr>
@@ -6079,54 +6079,170 @@
           <a:xfrm>
             <a:off x="3610707" y="1960651"/>
             <a:ext cx="6006299" cy="2265573"/>
-            <a:chOff x="3669323" y="1960651"/>
+            <a:chOff x="3610707" y="1960651"/>
             <a:chExt cx="6006299" cy="2265573"/>
           </a:xfrm>
+          <a:noFill/>
         </p:grpSpPr>
-        <p:pic>
-          <p:nvPicPr>
-            <p:cNvPr id="4" name="Picture 3"/>
-            <p:cNvPicPr>
-              <a:picLocks noChangeAspect="1"/>
-            </p:cNvPicPr>
+        <p:grpSp>
+          <p:nvGrpSpPr>
+            <p:cNvPr id="10" name="Group 9"/>
+            <p:cNvGrpSpPr/>
             <p:nvPr/>
-          </p:nvPicPr>
-          <p:blipFill rotWithShape="1">
-            <a:blip r:embed="rId2">
-              <a:extLst>
-                <a:ext uri="{28A0092B-C50C-407E-A947-70E740481C1C}">
-                  <a14:useLocalDpi xmlns:a14="http://schemas.microsoft.com/office/drawing/2010/main" val="0"/>
-                </a:ext>
-              </a:extLst>
-            </a:blip>
-            <a:srcRect l="13102" t="24100" r="8971" b="30215"/>
-            <a:stretch/>
-          </p:blipFill>
-          <p:spPr>
+          </p:nvGrpSpPr>
+          <p:grpSpPr>
             <a:xfrm>
-              <a:off x="3873357" y="2065106"/>
-              <a:ext cx="4643920" cy="1791786"/>
+              <a:off x="3610707" y="1960651"/>
+              <a:ext cx="6006299" cy="2265573"/>
+              <a:chOff x="3669323" y="1960651"/>
+              <a:chExt cx="6006299" cy="2265573"/>
             </a:xfrm>
-            <a:prstGeom prst="rect">
-              <a:avLst/>
-            </a:prstGeom>
-          </p:spPr>
-        </p:pic>
+            <a:grpFill/>
+          </p:grpSpPr>
+          <p:pic>
+            <p:nvPicPr>
+              <p:cNvPr id="4" name="Picture 3"/>
+              <p:cNvPicPr>
+                <a:picLocks noChangeAspect="1"/>
+              </p:cNvPicPr>
+              <p:nvPr/>
+            </p:nvPicPr>
+            <p:blipFill rotWithShape="1">
+              <a:blip r:embed="rId2">
+                <a:extLst>
+                  <a:ext uri="{28A0092B-C50C-407E-A947-70E740481C1C}">
+                    <a14:useLocalDpi xmlns:a14="http://schemas.microsoft.com/office/drawing/2010/main" val="0"/>
+                  </a:ext>
+                </a:extLst>
+              </a:blip>
+              <a:srcRect l="13102" t="24100" r="8971" b="30215"/>
+              <a:stretch/>
+            </p:blipFill>
+            <p:spPr>
+              <a:xfrm>
+                <a:off x="3873357" y="2065106"/>
+                <a:ext cx="4643920" cy="1791786"/>
+              </a:xfrm>
+              <a:prstGeom prst="rect">
+                <a:avLst/>
+              </a:prstGeom>
+              <a:grpFill/>
+            </p:spPr>
+          </p:pic>
+          <p:sp>
+            <p:nvSpPr>
+              <p:cNvPr id="5" name="TextBox 4"/>
+              <p:cNvSpPr txBox="1"/>
+              <p:nvPr/>
+            </p:nvSpPr>
+            <p:spPr>
+              <a:xfrm>
+                <a:off x="8708930" y="3856892"/>
+                <a:ext cx="966692" cy="369332"/>
+              </a:xfrm>
+              <a:prstGeom prst="rect">
+                <a:avLst/>
+              </a:prstGeom>
+              <a:grpFill/>
+            </p:spPr>
+            <p:txBody>
+              <a:bodyPr wrap="square" rtlCol="0">
+                <a:spAutoFit/>
+              </a:bodyPr>
+              <a:lstStyle/>
+              <a:p>
+                <a:r>
+                  <a:rPr lang="en-US" dirty="0" smtClean="0"/>
+                  <a:t>Liability</a:t>
+                </a:r>
+                <a:endParaRPr lang="en-US" dirty="0"/>
+              </a:p>
+            </p:txBody>
+          </p:sp>
+          <p:sp>
+            <p:nvSpPr>
+              <p:cNvPr id="6" name="TextBox 5"/>
+              <p:cNvSpPr txBox="1"/>
+              <p:nvPr/>
+            </p:nvSpPr>
+            <p:spPr>
+              <a:xfrm>
+                <a:off x="7202184" y="1960651"/>
+                <a:ext cx="1315093" cy="369332"/>
+              </a:xfrm>
+              <a:prstGeom prst="rect">
+                <a:avLst/>
+              </a:prstGeom>
+              <a:grpFill/>
+            </p:spPr>
+            <p:txBody>
+              <a:bodyPr wrap="square" rtlCol="0">
+                <a:spAutoFit/>
+              </a:bodyPr>
+              <a:lstStyle/>
+              <a:p>
+                <a:r>
+                  <a:rPr lang="en-US" dirty="0" smtClean="0"/>
+                  <a:t>Threshold</a:t>
+                </a:r>
+              </a:p>
+            </p:txBody>
+          </p:sp>
+          <p:cxnSp>
+            <p:nvCxnSpPr>
+              <p:cNvPr id="3" name="Straight Connector 2"/>
+              <p:cNvCxnSpPr/>
+              <p:nvPr/>
+            </p:nvCxnSpPr>
+            <p:spPr>
+              <a:xfrm>
+                <a:off x="3669323" y="3856892"/>
+                <a:ext cx="5134708" cy="0"/>
+              </a:xfrm>
+              <a:prstGeom prst="line">
+                <a:avLst/>
+              </a:prstGeom>
+              <a:grpFill/>
+              <a:ln w="19050">
+                <a:solidFill>
+                  <a:schemeClr val="tx1">
+                    <a:lumMod val="50000"/>
+                    <a:lumOff val="50000"/>
+                  </a:schemeClr>
+                </a:solidFill>
+              </a:ln>
+            </p:spPr>
+            <p:style>
+              <a:lnRef idx="1">
+                <a:schemeClr val="accent1"/>
+              </a:lnRef>
+              <a:fillRef idx="0">
+                <a:schemeClr val="accent1"/>
+              </a:fillRef>
+              <a:effectRef idx="0">
+                <a:schemeClr val="accent1"/>
+              </a:effectRef>
+              <a:fontRef idx="minor">
+                <a:schemeClr val="tx1"/>
+              </a:fontRef>
+            </p:style>
+          </p:cxnSp>
+        </p:grpSp>
         <p:sp>
           <p:nvSpPr>
-            <p:cNvPr id="5" name="TextBox 4"/>
+            <p:cNvPr id="7" name="TextBox 6"/>
             <p:cNvSpPr txBox="1"/>
             <p:nvPr/>
           </p:nvSpPr>
           <p:spPr>
             <a:xfrm>
-              <a:off x="8708930" y="3856892"/>
-              <a:ext cx="966692" cy="369332"/>
+              <a:off x="7637453" y="3078027"/>
+              <a:ext cx="1306661" cy="369332"/>
             </a:xfrm>
             <a:prstGeom prst="rect">
               <a:avLst/>
             </a:prstGeom>
-            <a:noFill/>
+            <a:grpFill/>
           </p:spPr>
           <p:txBody>
             <a:bodyPr wrap="square" rtlCol="0">
@@ -6135,8 +6251,8 @@
             <a:lstStyle/>
             <a:p>
               <a:r>
-                <a:rPr lang="en-US" dirty="0" smtClean="0"/>
-                <a:t>Liability</a:t>
+                <a:rPr lang="en-US" smtClean="0"/>
+                <a:t>Affected</a:t>
               </a:r>
               <a:endParaRPr lang="en-US" dirty="0"/>
             </a:p>
@@ -6144,19 +6260,19 @@
         </p:sp>
         <p:sp>
           <p:nvSpPr>
-            <p:cNvPr id="6" name="TextBox 5"/>
+            <p:cNvPr id="8" name="TextBox 7"/>
             <p:cNvSpPr txBox="1"/>
             <p:nvPr/>
           </p:nvSpPr>
           <p:spPr>
             <a:xfrm>
-              <a:off x="7202184" y="1960651"/>
-              <a:ext cx="1315093" cy="369332"/>
+              <a:off x="3647052" y="3078027"/>
+              <a:ext cx="1238401" cy="369332"/>
             </a:xfrm>
             <a:prstGeom prst="rect">
               <a:avLst/>
             </a:prstGeom>
-            <a:noFill/>
+            <a:grpFill/>
           </p:spPr>
           <p:txBody>
             <a:bodyPr wrap="square" rtlCol="0">
@@ -6165,33 +6281,70 @@
             <a:lstStyle/>
             <a:p>
               <a:r>
-                <a:rPr lang="en-US" dirty="0" smtClean="0"/>
-                <a:t>Threshold</a:t>
+                <a:rPr lang="en-US" smtClean="0"/>
+                <a:t>Unaffected</a:t>
               </a:r>
+              <a:endParaRPr lang="en-US" dirty="0"/>
             </a:p>
           </p:txBody>
         </p:sp>
         <p:cxnSp>
           <p:nvCxnSpPr>
-            <p:cNvPr id="3" name="Straight Connector 2"/>
+            <p:cNvPr id="9" name="Straight Arrow Connector 8"/>
             <p:cNvCxnSpPr/>
             <p:nvPr/>
           </p:nvCxnSpPr>
           <p:spPr>
             <a:xfrm>
-              <a:off x="3669323" y="3856892"/>
-              <a:ext cx="5134708" cy="0"/>
+              <a:off x="4751706" y="3394559"/>
+              <a:ext cx="528292" cy="302695"/>
             </a:xfrm>
-            <a:prstGeom prst="line">
+            <a:prstGeom prst="straightConnector1">
               <a:avLst/>
             </a:prstGeom>
-            <a:ln w="19050">
+            <a:grpFill/>
+            <a:ln>
               <a:solidFill>
-                <a:schemeClr val="tx1">
-                  <a:lumMod val="50000"/>
-                  <a:lumOff val="50000"/>
-                </a:schemeClr>
+                <a:schemeClr val="tx1"/>
               </a:solidFill>
+              <a:tailEnd type="triangle"/>
+            </a:ln>
+          </p:spPr>
+          <p:style>
+            <a:lnRef idx="1">
+              <a:schemeClr val="accent1"/>
+            </a:lnRef>
+            <a:fillRef idx="0">
+              <a:schemeClr val="accent1"/>
+            </a:fillRef>
+            <a:effectRef idx="0">
+              <a:schemeClr val="accent1"/>
+            </a:effectRef>
+            <a:fontRef idx="minor">
+              <a:schemeClr val="tx1"/>
+            </a:fontRef>
+          </p:style>
+        </p:cxnSp>
+        <p:cxnSp>
+          <p:nvCxnSpPr>
+            <p:cNvPr id="12" name="Straight Arrow Connector 11"/>
+            <p:cNvCxnSpPr/>
+            <p:nvPr/>
+          </p:nvCxnSpPr>
+          <p:spPr>
+            <a:xfrm flipH="1">
+              <a:off x="7303479" y="3396369"/>
+              <a:ext cx="380404" cy="324290"/>
+            </a:xfrm>
+            <a:prstGeom prst="straightConnector1">
+              <a:avLst/>
+            </a:prstGeom>
+            <a:grpFill/>
+            <a:ln>
+              <a:solidFill>
+                <a:schemeClr val="tx1"/>
+              </a:solidFill>
+              <a:tailEnd type="triangle"/>
             </a:ln>
           </p:spPr>
           <p:style>
@@ -6210,138 +6363,6 @@
           </p:style>
         </p:cxnSp>
       </p:grpSp>
-      <p:sp>
-        <p:nvSpPr>
-          <p:cNvPr id="7" name="TextBox 6"/>
-          <p:cNvSpPr txBox="1"/>
-          <p:nvPr/>
-        </p:nvSpPr>
-        <p:spPr>
-          <a:xfrm>
-            <a:off x="7637453" y="3078027"/>
-            <a:ext cx="1306661" cy="369332"/>
-          </a:xfrm>
-          <a:prstGeom prst="rect">
-            <a:avLst/>
-          </a:prstGeom>
-          <a:noFill/>
-        </p:spPr>
-        <p:txBody>
-          <a:bodyPr wrap="square" rtlCol="0">
-            <a:spAutoFit/>
-          </a:bodyPr>
-          <a:lstStyle/>
-          <a:p>
-            <a:r>
-              <a:rPr lang="en-US" smtClean="0"/>
-              <a:t>Affected</a:t>
-            </a:r>
-            <a:endParaRPr lang="en-US" dirty="0"/>
-          </a:p>
-        </p:txBody>
-      </p:sp>
-      <p:sp>
-        <p:nvSpPr>
-          <p:cNvPr id="8" name="TextBox 7"/>
-          <p:cNvSpPr txBox="1"/>
-          <p:nvPr/>
-        </p:nvSpPr>
-        <p:spPr>
-          <a:xfrm>
-            <a:off x="3647052" y="3078027"/>
-            <a:ext cx="1238401" cy="369332"/>
-          </a:xfrm>
-          <a:prstGeom prst="rect">
-            <a:avLst/>
-          </a:prstGeom>
-          <a:noFill/>
-        </p:spPr>
-        <p:txBody>
-          <a:bodyPr wrap="square" rtlCol="0">
-            <a:spAutoFit/>
-          </a:bodyPr>
-          <a:lstStyle/>
-          <a:p>
-            <a:r>
-              <a:rPr lang="en-US" smtClean="0"/>
-              <a:t>Unaffected</a:t>
-            </a:r>
-            <a:endParaRPr lang="en-US" dirty="0"/>
-          </a:p>
-        </p:txBody>
-      </p:sp>
-      <p:cxnSp>
-        <p:nvCxnSpPr>
-          <p:cNvPr id="9" name="Straight Arrow Connector 8"/>
-          <p:cNvCxnSpPr/>
-          <p:nvPr/>
-        </p:nvCxnSpPr>
-        <p:spPr>
-          <a:xfrm>
-            <a:off x="4751706" y="3394559"/>
-            <a:ext cx="528292" cy="302695"/>
-          </a:xfrm>
-          <a:prstGeom prst="straightConnector1">
-            <a:avLst/>
-          </a:prstGeom>
-          <a:ln>
-            <a:solidFill>
-              <a:schemeClr val="tx1"/>
-            </a:solidFill>
-            <a:tailEnd type="triangle"/>
-          </a:ln>
-        </p:spPr>
-        <p:style>
-          <a:lnRef idx="1">
-            <a:schemeClr val="accent1"/>
-          </a:lnRef>
-          <a:fillRef idx="0">
-            <a:schemeClr val="accent1"/>
-          </a:fillRef>
-          <a:effectRef idx="0">
-            <a:schemeClr val="accent1"/>
-          </a:effectRef>
-          <a:fontRef idx="minor">
-            <a:schemeClr val="tx1"/>
-          </a:fontRef>
-        </p:style>
-      </p:cxnSp>
-      <p:cxnSp>
-        <p:nvCxnSpPr>
-          <p:cNvPr id="12" name="Straight Arrow Connector 11"/>
-          <p:cNvCxnSpPr/>
-          <p:nvPr/>
-        </p:nvCxnSpPr>
-        <p:spPr>
-          <a:xfrm flipH="1">
-            <a:off x="7303479" y="3396369"/>
-            <a:ext cx="380404" cy="324290"/>
-          </a:xfrm>
-          <a:prstGeom prst="straightConnector1">
-            <a:avLst/>
-          </a:prstGeom>
-          <a:ln>
-            <a:solidFill>
-              <a:schemeClr val="tx1"/>
-            </a:solidFill>
-            <a:tailEnd type="triangle"/>
-          </a:ln>
-        </p:spPr>
-        <p:style>
-          <a:lnRef idx="1">
-            <a:schemeClr val="accent1"/>
-          </a:lnRef>
-          <a:fillRef idx="0">
-            <a:schemeClr val="accent1"/>
-          </a:fillRef>
-          <a:effectRef idx="0">
-            <a:schemeClr val="accent1"/>
-          </a:effectRef>
-          <a:fontRef idx="minor">
-            <a:schemeClr val="tx1"/>
-          </a:fontRef>
-        </p:style>
-      </p:cxnSp>
     </p:spTree>
     <p:extLst>
       <p:ext uri="{BB962C8B-B14F-4D97-AF65-F5344CB8AC3E}">
